--- a/1차발표.pptx
+++ b/1차발표.pptx
@@ -5542,6 +5542,17 @@
 <file path=ppt/slides/slide6.xml><?xml version="1.0" encoding="utf-8"?>
 <p:sld xmlns:a="http://schemas.openxmlformats.org/drawingml/2006/main" xmlns:r="http://schemas.openxmlformats.org/officeDocument/2006/relationships" xmlns:p="http://schemas.openxmlformats.org/presentationml/2006/main">
   <p:cSld>
+    <p:bg>
+      <p:bgPr>
+        <a:solidFill>
+          <a:schemeClr val="accent5">
+            <a:lumMod val="50000"/>
+            <a:alpha val="85000"/>
+          </a:schemeClr>
+        </a:solidFill>
+        <a:effectLst/>
+      </p:bgPr>
+    </p:bg>
     <p:spTree>
       <p:nvGrpSpPr>
         <p:cNvPr id="1" name=""/>
@@ -5572,37 +5583,380 @@
             <p:ph type="title"/>
           </p:nvPr>
         </p:nvSpPr>
-        <p:spPr/>
+        <p:spPr>
+          <a:xfrm>
+            <a:off x="397446" y="18255"/>
+            <a:ext cx="2753616" cy="1325563"/>
+          </a:xfrm>
+        </p:spPr>
         <p:txBody>
           <a:bodyPr/>
           <a:lstStyle/>
           <a:p>
-            <a:endParaRPr lang="ko-KR" altLang="en-US"/>
-          </a:p>
-        </p:txBody>
-      </p:sp>
-      <p:sp>
-        <p:nvSpPr>
-          <p:cNvPr id="3" name="내용 개체 틀 2">
-            <a:extLst>
-              <a:ext uri="{FF2B5EF4-FFF2-40B4-BE49-F238E27FC236}">
-                <a16:creationId xmlns:a16="http://schemas.microsoft.com/office/drawing/2014/main" id="{5BE1777B-6402-BCCF-B29A-0202B8E3729E}"/>
-              </a:ext>
-            </a:extLst>
-          </p:cNvPr>
-          <p:cNvSpPr>
-            <a:spLocks noGrp="1"/>
-          </p:cNvSpPr>
+            <a:r>
+              <a:rPr lang="ko-KR" altLang="en-US" dirty="0">
+                <a:latin typeface="Pretendard SemiBold" panose="02000703000000020004" pitchFamily="50" charset="-127"/>
+                <a:ea typeface="Pretendard SemiBold" panose="02000703000000020004" pitchFamily="50" charset="-127"/>
+                <a:cs typeface="Pretendard SemiBold" panose="02000703000000020004" pitchFamily="50" charset="-127"/>
+              </a:rPr>
+              <a:t>게임 기획서</a:t>
+            </a:r>
+          </a:p>
+        </p:txBody>
+      </p:sp>
+      <p:pic>
+        <p:nvPicPr>
+          <p:cNvPr id="5" name="내용 개체 틀 4">
+            <a:extLst>
+              <a:ext uri="{FF2B5EF4-FFF2-40B4-BE49-F238E27FC236}">
+                <a16:creationId xmlns:a16="http://schemas.microsoft.com/office/drawing/2014/main" id="{BB1A3E89-120D-4D4E-8485-2A60D58A3910}"/>
+              </a:ext>
+            </a:extLst>
+          </p:cNvPr>
+          <p:cNvPicPr>
+            <a:picLocks noGrp="1" noChangeAspect="1"/>
+          </p:cNvPicPr>
           <p:nvPr>
             <p:ph idx="1"/>
           </p:nvPr>
-        </p:nvSpPr>
-        <p:spPr/>
-        <p:txBody>
-          <a:bodyPr/>
-          <a:lstStyle/>
-          <a:p>
-            <a:endParaRPr lang="ko-KR" altLang="en-US"/>
+        </p:nvPicPr>
+        <p:blipFill>
+          <a:blip r:embed="rId2">
+            <a:extLst>
+              <a:ext uri="{28A0092B-C50C-407E-A947-70E740481C1C}">
+                <a14:useLocalDpi xmlns:a14="http://schemas.microsoft.com/office/drawing/2010/main" val="0"/>
+              </a:ext>
+            </a:extLst>
+          </a:blip>
+          <a:stretch>
+            <a:fillRect/>
+          </a:stretch>
+        </p:blipFill>
+        <p:spPr>
+          <a:xfrm>
+            <a:off x="777015" y="1260917"/>
+            <a:ext cx="9090524" cy="533616"/>
+          </a:xfrm>
+        </p:spPr>
+      </p:pic>
+      <p:sp>
+        <p:nvSpPr>
+          <p:cNvPr id="6" name="TextBox 5">
+            <a:extLst>
+              <a:ext uri="{FF2B5EF4-FFF2-40B4-BE49-F238E27FC236}">
+                <a16:creationId xmlns:a16="http://schemas.microsoft.com/office/drawing/2014/main" id="{68DEC4E2-2898-28E7-85DC-85634047013B}"/>
+              </a:ext>
+            </a:extLst>
+          </p:cNvPr>
+          <p:cNvSpPr txBox="1"/>
+          <p:nvPr/>
+        </p:nvSpPr>
+        <p:spPr>
+          <a:xfrm>
+            <a:off x="853215" y="2116016"/>
+            <a:ext cx="9090524" cy="2308324"/>
+          </a:xfrm>
+          <a:prstGeom prst="rect">
+            <a:avLst/>
+          </a:prstGeom>
+          <a:noFill/>
+        </p:spPr>
+        <p:txBody>
+          <a:bodyPr wrap="square" rtlCol="0">
+            <a:spAutoFit/>
+          </a:bodyPr>
+          <a:lstStyle/>
+          <a:p>
+            <a:pPr algn="l"/>
+            <a:r>
+              <a:rPr lang="ko-KR" altLang="en-US" dirty="0" err="1">
+                <a:solidFill>
+                  <a:schemeClr val="tx1">
+                    <a:lumMod val="85000"/>
+                  </a:schemeClr>
+                </a:solidFill>
+                <a:latin typeface="맑은 고딕" panose="020B0503020000020004" pitchFamily="50" charset="-127"/>
+                <a:ea typeface="맑은 고딕" panose="020B0503020000020004" pitchFamily="50" charset="-127"/>
+              </a:rPr>
+              <a:t>ㆍ</a:t>
+            </a:r>
+            <a:r>
+              <a:rPr lang="ko-KR" altLang="en-US" dirty="0" err="1">
+                <a:solidFill>
+                  <a:schemeClr val="tx1">
+                    <a:lumMod val="85000"/>
+                  </a:schemeClr>
+                </a:solidFill>
+              </a:rPr>
+              <a:t>이전에</a:t>
+            </a:r>
+            <a:r>
+              <a:rPr lang="ko-KR" altLang="en-US" dirty="0">
+                <a:solidFill>
+                  <a:schemeClr val="tx1">
+                    <a:lumMod val="85000"/>
+                  </a:schemeClr>
+                </a:solidFill>
+              </a:rPr>
+              <a:t> 구매하여 </a:t>
+            </a:r>
+            <a:r>
+              <a:rPr lang="ko-KR" altLang="en-US" dirty="0" err="1">
+                <a:solidFill>
+                  <a:schemeClr val="tx1">
+                    <a:lumMod val="85000"/>
+                  </a:schemeClr>
+                </a:solidFill>
+              </a:rPr>
+              <a:t>켠왕</a:t>
+            </a:r>
+            <a:r>
+              <a:rPr lang="en-US" altLang="ko-KR" dirty="0">
+                <a:solidFill>
+                  <a:schemeClr val="tx1">
+                    <a:lumMod val="85000"/>
+                  </a:schemeClr>
+                </a:solidFill>
+              </a:rPr>
+              <a:t>(</a:t>
+            </a:r>
+            <a:r>
+              <a:rPr lang="ko-KR" altLang="en-US" dirty="0">
+                <a:solidFill>
+                  <a:schemeClr val="tx1">
+                    <a:lumMod val="85000"/>
+                  </a:schemeClr>
+                </a:solidFill>
+              </a:rPr>
+              <a:t>게임을 종료하지 않고 클리어</a:t>
+            </a:r>
+            <a:r>
+              <a:rPr lang="en-US" altLang="ko-KR" dirty="0">
+                <a:solidFill>
+                  <a:schemeClr val="tx1">
+                    <a:lumMod val="85000"/>
+                  </a:schemeClr>
+                </a:solidFill>
+              </a:rPr>
+              <a:t>)</a:t>
+            </a:r>
+            <a:r>
+              <a:rPr lang="ko-KR" altLang="en-US" dirty="0">
+                <a:solidFill>
+                  <a:schemeClr val="tx1">
+                    <a:lumMod val="85000"/>
+                  </a:schemeClr>
+                </a:solidFill>
+              </a:rPr>
+              <a:t>을 할 만큼</a:t>
+            </a:r>
+            <a:endParaRPr lang="en-US" altLang="ko-KR" dirty="0">
+              <a:solidFill>
+                <a:schemeClr val="tx1">
+                  <a:lumMod val="85000"/>
+                </a:schemeClr>
+              </a:solidFill>
+            </a:endParaRPr>
+          </a:p>
+          <a:p>
+            <a:pPr algn="l"/>
+            <a:r>
+              <a:rPr lang="ko-KR" altLang="en-US" dirty="0">
+                <a:solidFill>
+                  <a:schemeClr val="tx1">
+                    <a:lumMod val="85000"/>
+                  </a:schemeClr>
+                </a:solidFill>
+              </a:rPr>
+              <a:t>   푹 빠졌었던 게임이라 선택하게 되었다</a:t>
+            </a:r>
+            <a:r>
+              <a:rPr lang="en-US" altLang="ko-KR" dirty="0">
+                <a:solidFill>
+                  <a:schemeClr val="tx1">
+                    <a:lumMod val="85000"/>
+                  </a:schemeClr>
+                </a:solidFill>
+              </a:rPr>
+              <a:t>.</a:t>
+            </a:r>
+          </a:p>
+          <a:p>
+            <a:pPr algn="l"/>
+            <a:endParaRPr lang="en-US" altLang="ko-KR" dirty="0">
+              <a:solidFill>
+                <a:schemeClr val="tx1">
+                  <a:lumMod val="85000"/>
+                </a:schemeClr>
+              </a:solidFill>
+            </a:endParaRPr>
+          </a:p>
+          <a:p>
+            <a:pPr algn="l"/>
+            <a:r>
+              <a:rPr lang="ko-KR" altLang="en-US" dirty="0" err="1">
+                <a:solidFill>
+                  <a:schemeClr val="tx1">
+                    <a:lumMod val="85000"/>
+                  </a:schemeClr>
+                </a:solidFill>
+                <a:latin typeface="맑은 고딕" panose="020B0503020000020004" pitchFamily="50" charset="-127"/>
+                <a:ea typeface="맑은 고딕" panose="020B0503020000020004" pitchFamily="50" charset="-127"/>
+              </a:rPr>
+              <a:t>ㆍ설명이</a:t>
+            </a:r>
+            <a:r>
+              <a:rPr lang="ko-KR" altLang="en-US" dirty="0">
+                <a:solidFill>
+                  <a:schemeClr val="tx1">
+                    <a:lumMod val="85000"/>
+                  </a:schemeClr>
+                </a:solidFill>
+                <a:latin typeface="맑은 고딕" panose="020B0503020000020004" pitchFamily="50" charset="-127"/>
+                <a:ea typeface="맑은 고딕" panose="020B0503020000020004" pitchFamily="50" charset="-127"/>
+              </a:rPr>
+              <a:t> 없어도 될 정도로 직관적인 조작이 가능한 게임이라</a:t>
+            </a:r>
+            <a:endParaRPr lang="en-US" altLang="ko-KR" dirty="0">
+              <a:solidFill>
+                <a:schemeClr val="tx1">
+                  <a:lumMod val="85000"/>
+                </a:schemeClr>
+              </a:solidFill>
+              <a:latin typeface="맑은 고딕" panose="020B0503020000020004" pitchFamily="50" charset="-127"/>
+              <a:ea typeface="맑은 고딕" panose="020B0503020000020004" pitchFamily="50" charset="-127"/>
+            </a:endParaRPr>
+          </a:p>
+          <a:p>
+            <a:pPr algn="l"/>
+            <a:r>
+              <a:rPr lang="en-US" altLang="ko-KR" dirty="0">
+                <a:solidFill>
+                  <a:schemeClr val="tx1">
+                    <a:lumMod val="85000"/>
+                  </a:schemeClr>
+                </a:solidFill>
+                <a:latin typeface="맑은 고딕" panose="020B0503020000020004" pitchFamily="50" charset="-127"/>
+                <a:ea typeface="맑은 고딕" panose="020B0503020000020004" pitchFamily="50" charset="-127"/>
+              </a:rPr>
+              <a:t>   </a:t>
+            </a:r>
+            <a:r>
+              <a:rPr lang="ko-KR" altLang="en-US" dirty="0">
+                <a:solidFill>
+                  <a:schemeClr val="tx1">
+                    <a:lumMod val="85000"/>
+                  </a:schemeClr>
+                </a:solidFill>
+                <a:latin typeface="맑은 고딕" panose="020B0503020000020004" pitchFamily="50" charset="-127"/>
+                <a:ea typeface="맑은 고딕" panose="020B0503020000020004" pitchFamily="50" charset="-127"/>
+              </a:rPr>
+              <a:t>처음 플레이해보는 사람도 금방 적응이 가능한 점이 최대 장점이다</a:t>
+            </a:r>
+            <a:r>
+              <a:rPr lang="en-US" altLang="ko-KR">
+                <a:solidFill>
+                  <a:schemeClr val="tx1">
+                    <a:lumMod val="85000"/>
+                  </a:schemeClr>
+                </a:solidFill>
+                <a:latin typeface="맑은 고딕" panose="020B0503020000020004" pitchFamily="50" charset="-127"/>
+                <a:ea typeface="맑은 고딕" panose="020B0503020000020004" pitchFamily="50" charset="-127"/>
+              </a:rPr>
+              <a:t>.</a:t>
+            </a:r>
+            <a:endParaRPr lang="en-US" altLang="ko-KR" dirty="0">
+              <a:solidFill>
+                <a:schemeClr val="tx1">
+                  <a:lumMod val="85000"/>
+                </a:schemeClr>
+              </a:solidFill>
+            </a:endParaRPr>
+          </a:p>
+          <a:p>
+            <a:pPr algn="l"/>
+            <a:endParaRPr lang="en-US" altLang="ko-KR" dirty="0">
+              <a:solidFill>
+                <a:schemeClr val="tx1">
+                  <a:lumMod val="85000"/>
+                </a:schemeClr>
+              </a:solidFill>
+            </a:endParaRPr>
+          </a:p>
+          <a:p>
+            <a:pPr algn="l"/>
+            <a:r>
+              <a:rPr lang="ko-KR" altLang="en-US" dirty="0" err="1">
+                <a:solidFill>
+                  <a:schemeClr val="tx1">
+                    <a:lumMod val="85000"/>
+                  </a:schemeClr>
+                </a:solidFill>
+                <a:latin typeface="맑은 고딕" panose="020B0503020000020004" pitchFamily="50" charset="-127"/>
+                <a:ea typeface="맑은 고딕" panose="020B0503020000020004" pitchFamily="50" charset="-127"/>
+              </a:rPr>
+              <a:t>ㆍ이전에</a:t>
+            </a:r>
+            <a:r>
+              <a:rPr lang="ko-KR" altLang="en-US" dirty="0">
+                <a:solidFill>
+                  <a:schemeClr val="tx1">
+                    <a:lumMod val="85000"/>
+                  </a:schemeClr>
+                </a:solidFill>
+              </a:rPr>
+              <a:t> 인기를 꽤나 얻었던 게임인지라</a:t>
+            </a:r>
+            <a:endParaRPr lang="en-US" altLang="ko-KR" dirty="0">
+              <a:solidFill>
+                <a:schemeClr val="tx1">
+                  <a:lumMod val="85000"/>
+                </a:schemeClr>
+              </a:solidFill>
+            </a:endParaRPr>
+          </a:p>
+          <a:p>
+            <a:pPr algn="l"/>
+            <a:r>
+              <a:rPr lang="ko-KR" altLang="en-US" dirty="0">
+                <a:solidFill>
+                  <a:schemeClr val="tx1">
+                    <a:lumMod val="85000"/>
+                  </a:schemeClr>
+                </a:solidFill>
+              </a:rPr>
+              <a:t>   게임 공략이나 정보</a:t>
+            </a:r>
+            <a:r>
+              <a:rPr lang="en-US" altLang="ko-KR" dirty="0">
+                <a:solidFill>
+                  <a:schemeClr val="tx1">
+                    <a:lumMod val="85000"/>
+                  </a:schemeClr>
+                </a:solidFill>
+              </a:rPr>
+              <a:t>, </a:t>
+            </a:r>
+            <a:r>
+              <a:rPr lang="ko-KR" altLang="en-US" dirty="0">
+                <a:solidFill>
+                  <a:schemeClr val="tx1">
+                    <a:lumMod val="85000"/>
+                  </a:schemeClr>
+                </a:solidFill>
+              </a:rPr>
+              <a:t>소스 이미지 등을 인터넷에서 쉽게 찾아볼 수 있다</a:t>
+            </a:r>
+            <a:r>
+              <a:rPr lang="en-US" altLang="ko-KR" dirty="0">
+                <a:solidFill>
+                  <a:schemeClr val="tx1">
+                    <a:lumMod val="85000"/>
+                  </a:schemeClr>
+                </a:solidFill>
+              </a:rPr>
+              <a:t>.</a:t>
+            </a:r>
           </a:p>
         </p:txBody>
       </p:sp>
